--- a/Pre.pptx
+++ b/Pre.pptx
@@ -225,7 +225,7 @@
           <a:p>
             <a:fld id="{682F6206-E480-744F-A9B1-538C19DA4C6D}" type="datetimeFigureOut">
               <a:rPr kumimoji="1" lang="zh-CN" altLang="en-US" smtClean="0"/>
-              <a:t>2021/12/20</a:t>
+              <a:t>2021/12/25</a:t>
             </a:fld>
             <a:endParaRPr kumimoji="1" lang="zh-CN" altLang="en-US"/>
           </a:p>
@@ -2419,7 +2419,7 @@
           <a:p>
             <a:fld id="{6A46E2D1-5910-EA4E-ABB8-041E9B70CE2C}" type="datetimeFigureOut">
               <a:rPr kumimoji="1" lang="zh-CN" altLang="en-US" smtClean="0"/>
-              <a:t>2021/12/20</a:t>
+              <a:t>2021/12/25</a:t>
             </a:fld>
             <a:endParaRPr kumimoji="1" lang="zh-CN" altLang="en-US"/>
           </a:p>
@@ -2759,7 +2759,7 @@
           <a:p>
             <a:fld id="{6A46E2D1-5910-EA4E-ABB8-041E9B70CE2C}" type="datetimeFigureOut">
               <a:rPr kumimoji="1" lang="zh-CN" altLang="en-US" smtClean="0"/>
-              <a:t>2021/12/20</a:t>
+              <a:t>2021/12/25</a:t>
             </a:fld>
             <a:endParaRPr kumimoji="1" lang="zh-CN" altLang="en-US"/>
           </a:p>
@@ -2849,7 +2849,7 @@
           <a:p>
             <a:fld id="{6A46E2D1-5910-EA4E-ABB8-041E9B70CE2C}" type="datetimeFigureOut">
               <a:rPr kumimoji="1" lang="zh-CN" altLang="en-US" smtClean="0"/>
-              <a:t>2021/12/20</a:t>
+              <a:t>2021/12/25</a:t>
             </a:fld>
             <a:endParaRPr kumimoji="1" lang="zh-CN" altLang="en-US"/>
           </a:p>
@@ -3119,7 +3119,7 @@
           <a:p>
             <a:fld id="{6A46E2D1-5910-EA4E-ABB8-041E9B70CE2C}" type="datetimeFigureOut">
               <a:rPr kumimoji="1" lang="zh-CN" altLang="en-US" smtClean="0"/>
-              <a:t>2021/12/20</a:t>
+              <a:t>2021/12/25</a:t>
             </a:fld>
             <a:endParaRPr kumimoji="1" lang="zh-CN" altLang="en-US"/>
           </a:p>
@@ -3369,7 +3369,7 @@
           <a:p>
             <a:fld id="{6A46E2D1-5910-EA4E-ABB8-041E9B70CE2C}" type="datetimeFigureOut">
               <a:rPr kumimoji="1" lang="zh-CN" altLang="en-US" smtClean="0"/>
-              <a:t>2021/12/20</a:t>
+              <a:t>2021/12/25</a:t>
             </a:fld>
             <a:endParaRPr kumimoji="1" lang="zh-CN" altLang="en-US"/>
           </a:p>
@@ -3532,7 +3532,7 @@
           <a:p>
             <a:fld id="{6A46E2D1-5910-EA4E-ABB8-041E9B70CE2C}" type="datetimeFigureOut">
               <a:rPr kumimoji="1" lang="zh-CN" altLang="en-US" smtClean="0"/>
-              <a:t>2021/12/20</a:t>
+              <a:t>2021/12/25</a:t>
             </a:fld>
             <a:endParaRPr kumimoji="1" lang="zh-CN" altLang="en-US"/>
           </a:p>
@@ -3705,7 +3705,7 @@
           <a:p>
             <a:fld id="{6A46E2D1-5910-EA4E-ABB8-041E9B70CE2C}" type="datetimeFigureOut">
               <a:rPr kumimoji="1" lang="zh-CN" altLang="en-US" smtClean="0"/>
-              <a:t>2021/12/20</a:t>
+              <a:t>2021/12/25</a:t>
             </a:fld>
             <a:endParaRPr kumimoji="1" lang="zh-CN" altLang="en-US"/>
           </a:p>
@@ -3902,7 +3902,7 @@
           <a:p>
             <a:fld id="{6A46E2D1-5910-EA4E-ABB8-041E9B70CE2C}" type="datetimeFigureOut">
               <a:rPr kumimoji="1" lang="zh-CN" altLang="en-US" smtClean="0"/>
-              <a:t>2021/12/20</a:t>
+              <a:t>2021/12/25</a:t>
             </a:fld>
             <a:endParaRPr kumimoji="1" lang="zh-CN" altLang="en-US"/>
           </a:p>
@@ -4135,7 +4135,7 @@
           <a:p>
             <a:fld id="{6A46E2D1-5910-EA4E-ABB8-041E9B70CE2C}" type="datetimeFigureOut">
               <a:rPr kumimoji="1" lang="zh-CN" altLang="en-US" smtClean="0"/>
-              <a:t>2021/12/20</a:t>
+              <a:t>2021/12/25</a:t>
             </a:fld>
             <a:endParaRPr kumimoji="1" lang="zh-CN" altLang="en-US"/>
           </a:p>
@@ -4340,7 +4340,7 @@
           <a:p>
             <a:fld id="{6A46E2D1-5910-EA4E-ABB8-041E9B70CE2C}" type="datetimeFigureOut">
               <a:rPr kumimoji="1" lang="zh-CN" altLang="en-US" smtClean="0"/>
-              <a:t>2021/12/20</a:t>
+              <a:t>2021/12/25</a:t>
             </a:fld>
             <a:endParaRPr kumimoji="1" lang="zh-CN" altLang="en-US"/>
           </a:p>
@@ -4618,7 +4618,7 @@
           <a:p>
             <a:fld id="{6A46E2D1-5910-EA4E-ABB8-041E9B70CE2C}" type="datetimeFigureOut">
               <a:rPr kumimoji="1" lang="zh-CN" altLang="en-US" smtClean="0"/>
-              <a:t>2021/12/20</a:t>
+              <a:t>2021/12/25</a:t>
             </a:fld>
             <a:endParaRPr kumimoji="1" lang="zh-CN" altLang="en-US"/>
           </a:p>
@@ -4833,7 +4833,7 @@
           <a:p>
             <a:fld id="{6A46E2D1-5910-EA4E-ABB8-041E9B70CE2C}" type="datetimeFigureOut">
               <a:rPr kumimoji="1" lang="zh-CN" altLang="en-US" smtClean="0"/>
-              <a:t>2021/12/20</a:t>
+              <a:t>2021/12/25</a:t>
             </a:fld>
             <a:endParaRPr kumimoji="1" lang="zh-CN" altLang="en-US"/>
           </a:p>
@@ -5325,7 +5325,7 @@
           <a:p>
             <a:fld id="{6A46E2D1-5910-EA4E-ABB8-041E9B70CE2C}" type="datetimeFigureOut">
               <a:rPr kumimoji="1" lang="zh-CN" altLang="en-US" smtClean="0"/>
-              <a:t>2021/12/20</a:t>
+              <a:t>2021/12/25</a:t>
             </a:fld>
             <a:endParaRPr kumimoji="1" lang="zh-CN" altLang="en-US"/>
           </a:p>
@@ -5549,7 +5549,7 @@
           <a:p>
             <a:fld id="{6A46E2D1-5910-EA4E-ABB8-041E9B70CE2C}" type="datetimeFigureOut">
               <a:rPr kumimoji="1" lang="zh-CN" altLang="en-US" smtClean="0"/>
-              <a:t>2021/12/20</a:t>
+              <a:t>2021/12/25</a:t>
             </a:fld>
             <a:endParaRPr kumimoji="1" lang="zh-CN" altLang="en-US"/>
           </a:p>
@@ -5908,7 +5908,7 @@
           <a:p>
             <a:fld id="{6A46E2D1-5910-EA4E-ABB8-041E9B70CE2C}" type="datetimeFigureOut">
               <a:rPr kumimoji="1" lang="zh-CN" altLang="en-US" smtClean="0"/>
-              <a:t>2021/12/20</a:t>
+              <a:t>2021/12/25</a:t>
             </a:fld>
             <a:endParaRPr kumimoji="1" lang="zh-CN" altLang="en-US"/>
           </a:p>
@@ -6114,7 +6114,7 @@
           <a:p>
             <a:fld id="{6A46E2D1-5910-EA4E-ABB8-041E9B70CE2C}" type="datetimeFigureOut">
               <a:rPr kumimoji="1" lang="zh-CN" altLang="en-US" smtClean="0"/>
-              <a:t>2021/12/20</a:t>
+              <a:t>2021/12/25</a:t>
             </a:fld>
             <a:endParaRPr kumimoji="1" lang="zh-CN" altLang="en-US"/>
           </a:p>
